--- a/16/slides.pptx
+++ b/16/slides.pptx
@@ -5,15 +5,23 @@
     <p:sldMasterId id="2147483648" r:id="rId1"/>
   </p:sldMasterIdLst>
   <p:notesMasterIdLst>
-    <p:notesMasterId r:id="rId6"/>
+    <p:notesMasterId r:id="rId14"/>
   </p:notesMasterIdLst>
   <p:handoutMasterIdLst>
-    <p:handoutMasterId r:id="rId7"/>
+    <p:handoutMasterId r:id="rId15"/>
   </p:handoutMasterIdLst>
   <p:sldIdLst>
     <p:sldId id="256" r:id="rId3"/>
     <p:sldId id="259" r:id="rId4"/>
-    <p:sldId id="257" r:id="rId5"/>
+    <p:sldId id="267" r:id="rId5"/>
+    <p:sldId id="268" r:id="rId6"/>
+    <p:sldId id="261" r:id="rId7"/>
+    <p:sldId id="266" r:id="rId8"/>
+    <p:sldId id="272" r:id="rId9"/>
+    <p:sldId id="273" r:id="rId10"/>
+    <p:sldId id="276" r:id="rId11"/>
+    <p:sldId id="277" r:id="rId12"/>
+    <p:sldId id="275" r:id="rId13"/>
   </p:sldIdLst>
   <p:sldSz cx="12192000" cy="6858000"/>
   <p:notesSz cx="7103745" cy="10234295"/>
@@ -3579,6 +3587,977 @@
 </p:sld>
 </file>
 
+<file path=ppt/slides/slide10.xml><?xml version="1.0" encoding="utf-8"?>
+<p:sld xmlns:a="http://schemas.openxmlformats.org/drawingml/2006/main" xmlns:r="http://schemas.openxmlformats.org/officeDocument/2006/relationships" xmlns:p="http://schemas.openxmlformats.org/presentationml/2006/main">
+  <p:cSld>
+    <p:spTree>
+      <p:nvGrpSpPr>
+        <p:cNvPr id="1" name=""/>
+        <p:cNvGrpSpPr/>
+        <p:nvPr/>
+      </p:nvGrpSpPr>
+      <p:grpSpPr/>
+      <p:sp>
+        <p:nvSpPr>
+          <p:cNvPr id="2" name="Title 1"/>
+          <p:cNvSpPr>
+            <a:spLocks noGrp="1"/>
+          </p:cNvSpPr>
+          <p:nvPr>
+            <p:ph type="title"/>
+          </p:nvPr>
+        </p:nvSpPr>
+        <p:spPr/>
+        <p:txBody>
+          <a:bodyPr/>
+          <a:p>
+            <a:r>
+              <a:rPr lang="zh-CN" altLang="en-US"/>
+              <a:t>小彭老师形象比喻</a:t>
+            </a:r>
+            <a:endParaRPr lang="zh-CN" altLang="en-US"/>
+          </a:p>
+        </p:txBody>
+      </p:sp>
+      <p:sp>
+        <p:nvSpPr>
+          <p:cNvPr id="3" name="Content Placeholder 2"/>
+          <p:cNvSpPr>
+            <a:spLocks noGrp="1"/>
+          </p:cNvSpPr>
+          <p:nvPr>
+            <p:ph idx="1"/>
+          </p:nvPr>
+        </p:nvSpPr>
+        <p:spPr/>
+        <p:txBody>
+          <a:bodyPr>
+            <a:normAutofit/>
+          </a:bodyPr>
+          <a:p>
+            <a:r>
+              <a:rPr lang="zh-CN" altLang="en-US" sz="1800"/>
+              <a:t>异常：你的痛觉神经。越界：大出血。</a:t>
+            </a:r>
+            <a:endParaRPr lang="zh-CN" altLang="en-US" sz="1800"/>
+          </a:p>
+          <a:p>
+            <a:r>
+              <a:rPr lang="en-US" altLang="zh-CN" sz="1800"/>
+              <a:t>at</a:t>
+            </a:r>
+            <a:r>
+              <a:rPr lang="zh-CN" altLang="en-US" sz="1800"/>
+              <a:t>：你睡梦中翻身，屁股压到床上的剪刀，出血了，你惊醒赶紧包扎伤口，又感叹错失美梦。</a:t>
+            </a:r>
+            <a:endParaRPr lang="zh-CN" altLang="en-US" sz="1800"/>
+          </a:p>
+          <a:p>
+            <a:r>
+              <a:rPr lang="en-US" altLang="zh-CN" sz="1800"/>
+              <a:t>[]</a:t>
+            </a:r>
+            <a:r>
+              <a:rPr lang="zh-CN" altLang="en-US" sz="1800"/>
+              <a:t>：你因贪生怕疼切除了</a:t>
+            </a:r>
+            <a:r>
+              <a:rPr lang="zh-CN" altLang="en-US" sz="1800">
+                <a:sym typeface="+mn-ea"/>
+              </a:rPr>
+              <a:t>痛觉神经，睡梦中翻身，屁股压到床上的剪刀，出血了，但是你根本感觉不到，你的屁股都被剪刀扎的烂慥慥了，你却换个姿势继续做美梦，最终因为失血过多而亡。</a:t>
+            </a:r>
+            <a:endParaRPr lang="zh-CN" altLang="en-US" sz="1800">
+              <a:sym typeface="+mn-ea"/>
+            </a:endParaRPr>
+          </a:p>
+          <a:p>
+            <a:r>
+              <a:rPr lang="zh-CN" altLang="en-US" sz="1800">
+                <a:sym typeface="+mn-ea"/>
+              </a:rPr>
+              <a:t>那么请问是你一时的美梦重要呢还是生死大事重要呢？来看看系统编程</a:t>
+            </a:r>
+            <a:r>
+              <a:rPr lang="zh-CN" altLang="en-US" sz="1800">
+                <a:sym typeface="+mn-ea"/>
+              </a:rPr>
+              <a:t>界</a:t>
+            </a:r>
+            <a:r>
+              <a:rPr lang="zh-CN" altLang="en-US" sz="1800">
+                <a:sym typeface="+mn-ea"/>
+              </a:rPr>
+              <a:t>两位“开明家长</a:t>
+            </a:r>
+            <a:r>
+              <a:rPr lang="zh-CN" altLang="en-US" sz="1800">
+                <a:sym typeface="+mn-ea"/>
+              </a:rPr>
+              <a:t>”</a:t>
+            </a:r>
+            <a:r>
+              <a:rPr lang="zh-CN" altLang="en-US" sz="1800">
+                <a:sym typeface="+mn-ea"/>
+              </a:rPr>
+              <a:t>的做法：</a:t>
+            </a:r>
+            <a:endParaRPr lang="zh-CN" altLang="en-US" sz="1800">
+              <a:sym typeface="+mn-ea"/>
+            </a:endParaRPr>
+          </a:p>
+          <a:p>
+            <a:r>
+              <a:rPr lang="en-US" altLang="zh-CN" sz="1800">
+                <a:solidFill>
+                  <a:schemeClr val="bg1">
+                    <a:lumMod val="50000"/>
+                  </a:schemeClr>
+                </a:solidFill>
+                <a:sym typeface="+mn-ea"/>
+              </a:rPr>
+              <a:t>cpp</a:t>
+            </a:r>
+            <a:r>
+              <a:rPr lang="zh-CN" altLang="en-US" sz="1800">
+                <a:solidFill>
+                  <a:schemeClr val="bg1">
+                    <a:lumMod val="50000"/>
+                  </a:schemeClr>
+                </a:solidFill>
+                <a:sym typeface="+mn-ea"/>
+              </a:rPr>
+              <a:t>：我支持</a:t>
+            </a:r>
+            <a:r>
+              <a:rPr lang="zh-CN" altLang="en-US" sz="1800">
+                <a:solidFill>
+                  <a:schemeClr val="bg1">
+                    <a:lumMod val="50000"/>
+                  </a:schemeClr>
+                </a:solidFill>
+                <a:sym typeface="+mn-ea"/>
+              </a:rPr>
+              <a:t>保留</a:t>
+            </a:r>
+            <a:r>
+              <a:rPr lang="zh-CN" altLang="en-US" sz="1800">
+                <a:solidFill>
+                  <a:schemeClr val="bg1">
+                    <a:lumMod val="50000"/>
+                  </a:schemeClr>
+                </a:solidFill>
+                <a:sym typeface="+mn-ea"/>
+              </a:rPr>
+              <a:t>家中的剪刀，</a:t>
+            </a:r>
+            <a:r>
+              <a:rPr lang="zh-CN" altLang="en-US" sz="1800">
+                <a:solidFill>
+                  <a:schemeClr val="bg1">
+                    <a:lumMod val="50000"/>
+                  </a:schemeClr>
+                </a:solidFill>
+                <a:sym typeface="+mn-ea"/>
+              </a:rPr>
+              <a:t>针头，桌子的锐角。只要你谨慎使用，就不会对你构成生命威胁。我连夜起草《宝宝家规》（</a:t>
+            </a:r>
+            <a:r>
+              <a:rPr lang="en-US" altLang="zh-CN" sz="1800">
+                <a:solidFill>
+                  <a:schemeClr val="bg1">
+                    <a:lumMod val="50000"/>
+                  </a:schemeClr>
+                </a:solidFill>
+                <a:sym typeface="+mn-ea"/>
+              </a:rPr>
+              <a:t>cpp core guidelines</a:t>
+            </a:r>
+            <a:r>
+              <a:rPr lang="zh-CN" altLang="en-US" sz="1800">
+                <a:solidFill>
+                  <a:schemeClr val="bg1">
+                    <a:lumMod val="50000"/>
+                  </a:schemeClr>
+                </a:solidFill>
+                <a:sym typeface="+mn-ea"/>
+              </a:rPr>
+              <a:t>），第一条就规定“不许把尖锐物品丢在床和沙发上”。</a:t>
+            </a:r>
+            <a:endParaRPr lang="zh-CN" altLang="en-US" sz="1800">
+              <a:solidFill>
+                <a:schemeClr val="bg1">
+                  <a:lumMod val="50000"/>
+                </a:schemeClr>
+              </a:solidFill>
+              <a:sym typeface="+mn-ea"/>
+            </a:endParaRPr>
+          </a:p>
+          <a:p>
+            <a:r>
+              <a:rPr lang="en-US" altLang="zh-CN" sz="1800">
+                <a:solidFill>
+                  <a:schemeClr val="bg1">
+                    <a:lumMod val="50000"/>
+                  </a:schemeClr>
+                </a:solidFill>
+              </a:rPr>
+              <a:t>rust</a:t>
+            </a:r>
+            <a:r>
+              <a:rPr lang="zh-CN" altLang="en-US" sz="1800">
+                <a:solidFill>
+                  <a:schemeClr val="bg1">
+                    <a:lumMod val="50000"/>
+                  </a:schemeClr>
+                </a:solidFill>
+              </a:rPr>
+              <a:t>：我们没有异常系统！因为我们从</a:t>
+            </a:r>
+            <a:r>
+              <a:rPr lang="zh-CN" altLang="en-US" sz="1800">
+                <a:solidFill>
+                  <a:schemeClr val="bg1">
+                    <a:lumMod val="50000"/>
+                  </a:schemeClr>
+                </a:solidFill>
+                <a:sym typeface="+mn-ea"/>
+              </a:rPr>
+              <a:t>“</a:t>
+            </a:r>
+            <a:r>
+              <a:rPr lang="zh-CN" altLang="en-US" sz="1800">
+                <a:solidFill>
+                  <a:schemeClr val="bg1">
+                    <a:lumMod val="50000"/>
+                  </a:schemeClr>
+                </a:solidFill>
+              </a:rPr>
+              <a:t>数学自洽公理完备性”上证明了我们的类型系统绝对安全！</a:t>
+            </a:r>
+            <a:r>
+              <a:rPr lang="zh-CN" altLang="en-US" sz="1800">
+                <a:solidFill>
+                  <a:schemeClr val="bg1">
+                    <a:lumMod val="50000"/>
+                  </a:schemeClr>
+                </a:solidFill>
+                <a:sym typeface="+mn-ea"/>
+              </a:rPr>
+              <a:t>剪刀</a:t>
+            </a:r>
+            <a:r>
+              <a:rPr lang="zh-CN" altLang="en-US" sz="1800">
+                <a:solidFill>
+                  <a:schemeClr val="bg1">
+                    <a:lumMod val="50000"/>
+                  </a:schemeClr>
+                </a:solidFill>
+                <a:sym typeface="+mn-ea"/>
+              </a:rPr>
+              <a:t>针头</a:t>
+            </a:r>
+            <a:r>
+              <a:rPr lang="zh-CN" altLang="en-US" sz="1800">
+                <a:solidFill>
+                  <a:schemeClr val="bg1">
+                    <a:lumMod val="50000"/>
+                  </a:schemeClr>
+                </a:solidFill>
+                <a:sym typeface="+mn-ea"/>
+              </a:rPr>
+              <a:t>这种危险物品，全部要磨钝，剪个指甲只能到有关部门排队申请（</a:t>
+            </a:r>
+            <a:r>
+              <a:rPr lang="en-US" altLang="zh-CN" sz="1800">
+                <a:solidFill>
+                  <a:schemeClr val="bg1">
+                    <a:lumMod val="50000"/>
+                  </a:schemeClr>
+                </a:solidFill>
+                <a:sym typeface="+mn-ea"/>
+              </a:rPr>
+              <a:t>unsafe</a:t>
+            </a:r>
+            <a:r>
+              <a:rPr lang="zh-CN" altLang="en-US" sz="1800">
+                <a:solidFill>
+                  <a:schemeClr val="bg1">
+                    <a:lumMod val="50000"/>
+                  </a:schemeClr>
+                </a:solidFill>
+                <a:sym typeface="+mn-ea"/>
+              </a:rPr>
+              <a:t>），门也不许出，万一碰巧高空抛物呢？不就破坏了我数学公理般的安全性？虽然绝对安全了，但生活也变得毫无意义</a:t>
+            </a:r>
+            <a:r>
+              <a:rPr lang="zh-CN" altLang="en-US" sz="1800">
+                <a:solidFill>
+                  <a:schemeClr val="bg1">
+                    <a:lumMod val="50000"/>
+                  </a:schemeClr>
+                </a:solidFill>
+              </a:rPr>
+              <a:t>。</a:t>
+            </a:r>
+            <a:endParaRPr lang="zh-CN" altLang="en-US" sz="1800">
+              <a:solidFill>
+                <a:schemeClr val="bg1">
+                  <a:lumMod val="50000"/>
+                </a:schemeClr>
+              </a:solidFill>
+            </a:endParaRPr>
+          </a:p>
+          <a:p>
+            <a:r>
+              <a:rPr lang="en-US" altLang="zh-CN" sz="1800">
+                <a:solidFill>
+                  <a:schemeClr val="bg1">
+                    <a:lumMod val="50000"/>
+                  </a:schemeClr>
+                </a:solidFill>
+              </a:rPr>
+              <a:t>cpp</a:t>
+            </a:r>
+            <a:r>
+              <a:rPr lang="zh-CN" altLang="en-US" sz="1800">
+                <a:solidFill>
+                  <a:schemeClr val="bg1">
+                    <a:lumMod val="50000"/>
+                  </a:schemeClr>
+                </a:solidFill>
+              </a:rPr>
+              <a:t>：我对孩子的爱，是经验传授，口头警告。</a:t>
+            </a:r>
+            <a:r>
+              <a:rPr lang="en-US" altLang="zh-CN" sz="1800">
+                <a:solidFill>
+                  <a:schemeClr val="bg1">
+                    <a:lumMod val="50000"/>
+                  </a:schemeClr>
+                </a:solidFill>
+              </a:rPr>
+              <a:t>rust</a:t>
+            </a:r>
+            <a:r>
+              <a:rPr lang="zh-CN" altLang="en-US" sz="1800">
+                <a:solidFill>
+                  <a:schemeClr val="bg1">
+                    <a:lumMod val="50000"/>
+                  </a:schemeClr>
+                </a:solidFill>
+              </a:rPr>
+              <a:t>：我对孩子的爱，是把他捆椅子上防止他</a:t>
+            </a:r>
+            <a:r>
+              <a:rPr lang="zh-CN" altLang="en-US" sz="1800">
+                <a:solidFill>
+                  <a:schemeClr val="bg1">
+                    <a:lumMod val="50000"/>
+                  </a:schemeClr>
+                </a:solidFill>
+                <a:sym typeface="+mn-ea"/>
+              </a:rPr>
+              <a:t>受伤</a:t>
+            </a:r>
+            <a:r>
+              <a:rPr lang="zh-CN" altLang="en-US" sz="1800">
+                <a:solidFill>
+                  <a:schemeClr val="bg1">
+                    <a:lumMod val="50000"/>
+                  </a:schemeClr>
+                </a:solidFill>
+              </a:rPr>
+              <a:t>。</a:t>
+            </a:r>
+            <a:endParaRPr lang="zh-CN" altLang="en-US" sz="1800">
+              <a:solidFill>
+                <a:schemeClr val="bg1">
+                  <a:lumMod val="50000"/>
+                </a:schemeClr>
+              </a:solidFill>
+            </a:endParaRPr>
+          </a:p>
+          <a:p>
+            <a:r>
+              <a:rPr lang="zh-CN" altLang="en-US" sz="1800">
+                <a:solidFill>
+                  <a:schemeClr val="tx2"/>
+                </a:solidFill>
+                <a:sym typeface="+mn-ea"/>
+              </a:rPr>
+              <a:t>总之同学们读取</a:t>
+            </a:r>
+            <a:r>
+              <a:rPr lang="en-US" altLang="zh-CN" sz="1800">
+                <a:solidFill>
+                  <a:schemeClr val="tx2"/>
+                </a:solidFill>
+                <a:sym typeface="+mn-ea"/>
+              </a:rPr>
+              <a:t> map </a:t>
+            </a:r>
+            <a:r>
+              <a:rPr lang="zh-CN" altLang="en-US" sz="1800">
+                <a:solidFill>
+                  <a:schemeClr val="tx2"/>
+                </a:solidFill>
+                <a:sym typeface="+mn-ea"/>
+              </a:rPr>
+              <a:t>里的值时，往往并不想</a:t>
+            </a:r>
+            <a:r>
+              <a:rPr lang="en-US" altLang="zh-CN" sz="1800">
+                <a:solidFill>
+                  <a:schemeClr val="tx2"/>
+                </a:solidFill>
+                <a:sym typeface="+mn-ea"/>
+              </a:rPr>
+              <a:t> [] </a:t>
+            </a:r>
+            <a:r>
+              <a:rPr lang="zh-CN" altLang="en-US" sz="1800">
+                <a:solidFill>
+                  <a:schemeClr val="tx2"/>
+                </a:solidFill>
+                <a:sym typeface="+mn-ea"/>
+              </a:rPr>
+              <a:t>自动创建一个零元素，那么可以改为调用这个</a:t>
+            </a:r>
+            <a:r>
+              <a:rPr lang="zh-CN" altLang="en-US" sz="1800" b="1">
+                <a:solidFill>
+                  <a:schemeClr val="tx2"/>
+                </a:solidFill>
+                <a:sym typeface="+mn-ea"/>
+              </a:rPr>
+              <a:t>只读的</a:t>
+            </a:r>
+            <a:r>
+              <a:rPr lang="en-US" altLang="zh-CN" sz="1800" b="1">
+                <a:solidFill>
+                  <a:schemeClr val="tx2"/>
+                </a:solidFill>
+                <a:sym typeface="+mn-ea"/>
+              </a:rPr>
+              <a:t> at </a:t>
+            </a:r>
+            <a:r>
+              <a:rPr lang="zh-CN" altLang="en-US" sz="1800" b="1">
+                <a:solidFill>
+                  <a:schemeClr val="tx2"/>
+                </a:solidFill>
+                <a:sym typeface="+mn-ea"/>
+              </a:rPr>
+              <a:t>函数</a:t>
+            </a:r>
+            <a:r>
+              <a:rPr lang="zh-CN" altLang="en-US" sz="1800">
+                <a:solidFill>
+                  <a:schemeClr val="tx2"/>
+                </a:solidFill>
+                <a:sym typeface="+mn-ea"/>
+              </a:rPr>
+              <a:t>，他会在你键不存在的时候抛出异常，方便你快速找出错误。</a:t>
+            </a:r>
+            <a:endParaRPr lang="en-US" altLang="en-US" sz="1800">
+              <a:solidFill>
+                <a:schemeClr val="tx2"/>
+              </a:solidFill>
+            </a:endParaRPr>
+          </a:p>
+        </p:txBody>
+      </p:sp>
+    </p:spTree>
+  </p:cSld>
+  <p:clrMapOvr>
+    <a:masterClrMapping/>
+  </p:clrMapOvr>
+</p:sld>
+</file>
+
+<file path=ppt/slides/slide11.xml><?xml version="1.0" encoding="utf-8"?>
+<p:sld xmlns:a="http://schemas.openxmlformats.org/drawingml/2006/main" xmlns:r="http://schemas.openxmlformats.org/officeDocument/2006/relationships" xmlns:p="http://schemas.openxmlformats.org/presentationml/2006/main">
+  <p:cSld>
+    <p:spTree>
+      <p:nvGrpSpPr>
+        <p:cNvPr id="1" name=""/>
+        <p:cNvGrpSpPr/>
+        <p:nvPr/>
+      </p:nvGrpSpPr>
+      <p:grpSpPr/>
+      <p:sp>
+        <p:nvSpPr>
+          <p:cNvPr id="2" name="Title 1"/>
+          <p:cNvSpPr>
+            <a:spLocks noGrp="1"/>
+          </p:cNvSpPr>
+          <p:nvPr>
+            <p:ph type="title"/>
+          </p:nvPr>
+        </p:nvSpPr>
+        <p:spPr/>
+        <p:txBody>
+          <a:bodyPr/>
+          <a:p>
+            <a:r>
+              <a:rPr lang="zh-CN" altLang="en-US"/>
+              <a:t>知识拓展：</a:t>
+            </a:r>
+            <a:r>
+              <a:rPr lang="en-US" altLang="zh-CN"/>
+              <a:t>Python </a:t>
+            </a:r>
+            <a:r>
+              <a:rPr lang="zh-CN" altLang="en-US"/>
+              <a:t>中</a:t>
+            </a:r>
+            <a:r>
+              <a:rPr lang="en-US" altLang="zh-CN"/>
+              <a:t> [] </a:t>
+            </a:r>
+            <a:r>
+              <a:rPr lang="zh-CN" altLang="en-US"/>
+              <a:t>和</a:t>
+            </a:r>
+            <a:r>
+              <a:rPr lang="en-US" altLang="zh-CN"/>
+              <a:t> C++ </a:t>
+            </a:r>
+            <a:r>
+              <a:rPr lang="zh-CN" altLang="en-US"/>
+              <a:t>的异同</a:t>
+            </a:r>
+            <a:endParaRPr lang="zh-CN" altLang="en-US"/>
+          </a:p>
+        </p:txBody>
+      </p:sp>
+      <p:sp>
+        <p:nvSpPr>
+          <p:cNvPr id="3" name="Content Placeholder 2"/>
+          <p:cNvSpPr>
+            <a:spLocks noGrp="1"/>
+          </p:cNvSpPr>
+          <p:nvPr>
+            <p:ph idx="1"/>
+          </p:nvPr>
+        </p:nvSpPr>
+        <p:spPr>
+          <a:xfrm>
+            <a:off x="647700" y="1515110"/>
+            <a:ext cx="10515600" cy="4718685"/>
+          </a:xfrm>
+        </p:spPr>
+        <p:txBody>
+          <a:bodyPr>
+            <a:normAutofit/>
+          </a:bodyPr>
+          <a:p>
+            <a:r>
+              <a:rPr lang="zh-CN" altLang="en-US" sz="1800">
+                <a:sym typeface="+mn-ea"/>
+              </a:rPr>
+              <a:t>写入要创建元素，而读取则要在元素不存在时出错，确实应该是两个不同的函数。</a:t>
+            </a:r>
+            <a:endParaRPr lang="zh-CN" altLang="en-US" sz="1800">
+              <a:sym typeface="+mn-ea"/>
+            </a:endParaRPr>
+          </a:p>
+          <a:p>
+            <a:r>
+              <a:rPr lang="zh-CN" altLang="en-US" sz="1800">
+                <a:sym typeface="+mn-ea"/>
+              </a:rPr>
+              <a:t>为什么</a:t>
+            </a:r>
+            <a:r>
+              <a:rPr lang="en-US" altLang="zh-CN" sz="1800">
+                <a:sym typeface="+mn-ea"/>
+              </a:rPr>
+              <a:t> Python </a:t>
+            </a:r>
+            <a:r>
+              <a:rPr lang="zh-CN" altLang="en-US" sz="1800">
+                <a:sym typeface="+mn-ea"/>
+              </a:rPr>
+              <a:t>不用区分读取和写入两个函数？只有统一的</a:t>
+            </a:r>
+            <a:r>
+              <a:rPr lang="en-US" altLang="zh-CN" sz="1800">
+                <a:sym typeface="+mn-ea"/>
+              </a:rPr>
+              <a:t> []</a:t>
+            </a:r>
+            <a:r>
+              <a:rPr lang="zh-CN" altLang="en-US" sz="1800">
+                <a:sym typeface="+mn-ea"/>
+              </a:rPr>
+              <a:t>？</a:t>
+            </a:r>
+            <a:r>
+              <a:rPr lang="zh-CN" altLang="en-US" sz="1800"/>
+              <a:t>因为</a:t>
+            </a:r>
+            <a:r>
+              <a:rPr lang="en-US" altLang="zh-CN" sz="1800"/>
+              <a:t> Python </a:t>
+            </a:r>
+            <a:r>
+              <a:rPr lang="zh-CN" altLang="en-US" sz="1800"/>
+              <a:t>作为老牌胶水语言，为了用户体验做了些特殊处理。他的</a:t>
+            </a:r>
+            <a:r>
+              <a:rPr lang="en-US" altLang="zh-CN" sz="1800"/>
+              <a:t> ast </a:t>
+            </a:r>
+            <a:r>
+              <a:rPr lang="zh-CN" altLang="en-US" sz="1800"/>
+              <a:t>模块能自动识别</a:t>
+            </a:r>
+            <a:r>
+              <a:rPr lang="en-US" altLang="zh-CN" sz="1800"/>
+              <a:t> [] </a:t>
+            </a:r>
+            <a:r>
+              <a:rPr lang="zh-CN" altLang="en-US" sz="1800"/>
+              <a:t>位于等号左侧还是右侧，分成两个独立的函数。</a:t>
+            </a:r>
+            <a:endParaRPr lang="zh-CN" altLang="en-US" sz="1800"/>
+          </a:p>
+          <a:p>
+            <a:r>
+              <a:rPr lang="zh-CN" altLang="en-US" sz="1800"/>
+              <a:t>如果在左侧，则被他的</a:t>
+            </a:r>
+            <a:r>
+              <a:rPr lang="en-US" altLang="zh-CN" sz="1800"/>
+              <a:t> ast </a:t>
+            </a:r>
+            <a:r>
+              <a:rPr lang="zh-CN" altLang="en-US" sz="1800"/>
+              <a:t>模块视为</a:t>
+            </a:r>
+            <a:r>
+              <a:rPr lang="zh-CN" altLang="en-US" sz="1800" b="1"/>
+              <a:t>写入上下文（</a:t>
+            </a:r>
+            <a:r>
+              <a:rPr lang="en-US" altLang="zh-CN" sz="1800" b="1"/>
+              <a:t>store context</a:t>
+            </a:r>
+            <a:r>
+              <a:rPr lang="zh-CN" altLang="en-US" sz="1800" b="1">
+                <a:sym typeface="+mn-ea"/>
+              </a:rPr>
+              <a:t>）</a:t>
+            </a:r>
+            <a:r>
+              <a:rPr lang="zh-CN" altLang="en-US" sz="1800">
+                <a:sym typeface="+mn-ea"/>
+              </a:rPr>
+              <a:t>，</a:t>
+            </a:r>
+            <a:r>
+              <a:rPr lang="zh-CN" altLang="en-US" sz="1800">
+                <a:sym typeface="+mn-ea"/>
+              </a:rPr>
+              <a:t>翻译成</a:t>
+            </a:r>
+            <a:r>
+              <a:rPr lang="en-US" altLang="zh-CN" sz="1800">
+                <a:sym typeface="+mn-ea"/>
+              </a:rPr>
+              <a:t> __setitem__</a:t>
+            </a:r>
+            <a:r>
+              <a:rPr lang="zh-CN" altLang="en-US" sz="1800">
+                <a:sym typeface="+mn-ea"/>
+              </a:rPr>
+              <a:t>。</a:t>
+            </a:r>
+            <a:endParaRPr lang="zh-CN" altLang="en-US" sz="1800">
+              <a:sym typeface="+mn-ea"/>
+            </a:endParaRPr>
+          </a:p>
+          <a:p>
+            <a:r>
+              <a:rPr lang="zh-CN" altLang="en-US" sz="1800">
+                <a:sym typeface="+mn-ea"/>
+              </a:rPr>
+              <a:t>如果在右侧，则被他的</a:t>
+            </a:r>
+            <a:r>
+              <a:rPr lang="en-US" altLang="zh-CN" sz="1800">
+                <a:sym typeface="+mn-ea"/>
+              </a:rPr>
+              <a:t> ast </a:t>
+            </a:r>
+            <a:r>
+              <a:rPr lang="zh-CN" altLang="en-US" sz="1800">
+                <a:sym typeface="+mn-ea"/>
+              </a:rPr>
+              <a:t>模块视为</a:t>
+            </a:r>
+            <a:r>
+              <a:rPr lang="zh-CN" altLang="en-US" sz="1800" b="1">
+                <a:sym typeface="+mn-ea"/>
+              </a:rPr>
+              <a:t>读取上下文（</a:t>
+            </a:r>
+            <a:r>
+              <a:rPr lang="en-US" altLang="zh-CN" sz="1800" b="1">
+                <a:sym typeface="+mn-ea"/>
+              </a:rPr>
+              <a:t>load context</a:t>
+            </a:r>
+            <a:r>
+              <a:rPr lang="zh-CN" altLang="en-US" sz="1800" b="1">
+                <a:sym typeface="+mn-ea"/>
+              </a:rPr>
+              <a:t>）</a:t>
+            </a:r>
+            <a:r>
+              <a:rPr lang="zh-CN" altLang="en-US" sz="1800">
+                <a:sym typeface="+mn-ea"/>
+              </a:rPr>
+              <a:t>，翻译成</a:t>
+            </a:r>
+            <a:r>
+              <a:rPr lang="en-US" altLang="zh-CN" sz="1800">
+                <a:sym typeface="+mn-ea"/>
+              </a:rPr>
+              <a:t> __getitem__</a:t>
+            </a:r>
+            <a:r>
+              <a:rPr lang="zh-CN" altLang="en-US" sz="1800">
+                <a:sym typeface="+mn-ea"/>
+              </a:rPr>
+              <a:t>。</a:t>
+            </a:r>
+            <a:endParaRPr lang="zh-CN" altLang="en-US" sz="1800">
+              <a:sym typeface="+mn-ea"/>
+            </a:endParaRPr>
+          </a:p>
+          <a:p>
+            <a:r>
+              <a:rPr lang="zh-CN" altLang="en-US" sz="1800">
+                <a:sym typeface="+mn-ea"/>
+              </a:rPr>
+              <a:t>也就是说</a:t>
+            </a:r>
+            <a:r>
+              <a:rPr lang="en-US" altLang="zh-CN" sz="1800">
+                <a:sym typeface="+mn-ea"/>
+              </a:rPr>
+              <a:t> Python </a:t>
+            </a:r>
+            <a:r>
+              <a:rPr lang="zh-CN" altLang="en-US" sz="1800">
+                <a:sym typeface="+mn-ea"/>
+              </a:rPr>
+              <a:t>的</a:t>
+            </a:r>
+            <a:r>
+              <a:rPr lang="en-US" altLang="zh-CN" sz="1800">
+                <a:sym typeface="+mn-ea"/>
+              </a:rPr>
+              <a:t> [] </a:t>
+            </a:r>
+            <a:r>
+              <a:rPr lang="zh-CN" altLang="en-US" sz="1800">
+                <a:sym typeface="+mn-ea"/>
+              </a:rPr>
+              <a:t>其实是调用了两个不同的运算符重载：</a:t>
+            </a:r>
+            <a:endParaRPr lang="zh-CN" altLang="en-US" sz="1800">
+              <a:sym typeface="+mn-ea"/>
+            </a:endParaRPr>
+          </a:p>
+          <a:p>
+            <a:r>
+              <a:rPr lang="en-US" altLang="zh-CN" sz="1800">
+                <a:sym typeface="+mn-ea"/>
+              </a:rPr>
+              <a:t>m[key] = val </a:t>
+            </a:r>
+            <a:r>
+              <a:rPr lang="zh-CN" altLang="en-US" sz="1800">
+                <a:sym typeface="+mn-ea"/>
+              </a:rPr>
+              <a:t>实际上是</a:t>
+            </a:r>
+            <a:r>
+              <a:rPr lang="en-US" altLang="zh-CN" sz="1800">
+                <a:sym typeface="+mn-ea"/>
+              </a:rPr>
+              <a:t> m.__setitem__(key, val)</a:t>
+            </a:r>
+            <a:r>
+              <a:rPr lang="zh-CN" altLang="en-US" sz="1800">
+                <a:sym typeface="+mn-ea"/>
+              </a:rPr>
+              <a:t>。</a:t>
+            </a:r>
+            <a:endParaRPr lang="zh-CN" altLang="en-US" sz="1800">
+              <a:sym typeface="+mn-ea"/>
+            </a:endParaRPr>
+          </a:p>
+          <a:p>
+            <a:r>
+              <a:rPr lang="en-US" altLang="zh-CN" sz="1800">
+                <a:sym typeface="+mn-ea"/>
+              </a:rPr>
+              <a:t>val = m[key] </a:t>
+            </a:r>
+            <a:r>
+              <a:rPr lang="zh-CN" altLang="en-US" sz="1800">
+                <a:sym typeface="+mn-ea"/>
+              </a:rPr>
+              <a:t>实际上是</a:t>
+            </a:r>
+            <a:r>
+              <a:rPr lang="en-US" altLang="zh-CN" sz="1800">
+                <a:sym typeface="+mn-ea"/>
+              </a:rPr>
+              <a:t> val = m.__getitem__(key)</a:t>
+            </a:r>
+            <a:r>
+              <a:rPr lang="zh-CN" altLang="en-US" sz="1800">
+                <a:sym typeface="+mn-ea"/>
+              </a:rPr>
+              <a:t>。</a:t>
+            </a:r>
+            <a:endParaRPr lang="zh-CN" altLang="en-US" sz="1800">
+              <a:sym typeface="+mn-ea"/>
+            </a:endParaRPr>
+          </a:p>
+          <a:p>
+            <a:r>
+              <a:rPr lang="en-US" altLang="zh-CN" sz="1800">
+                <a:sym typeface="+mn-ea"/>
+              </a:rPr>
+              <a:t>C++ </a:t>
+            </a:r>
+            <a:r>
+              <a:rPr lang="zh-CN" altLang="en-US" sz="1800">
+                <a:sym typeface="+mn-ea"/>
+              </a:rPr>
+              <a:t>的</a:t>
+            </a:r>
+            <a:r>
+              <a:rPr lang="en-US" altLang="zh-CN" sz="1800">
+                <a:sym typeface="+mn-ea"/>
+              </a:rPr>
+              <a:t> [] </a:t>
+            </a:r>
+            <a:r>
+              <a:rPr lang="zh-CN" altLang="en-US" sz="1800">
+                <a:sym typeface="+mn-ea"/>
+              </a:rPr>
+              <a:t>就有所不同，不论读取还是写入都只有一个运算符重载，同一个函数，无法区分读写：</a:t>
+            </a:r>
+            <a:endParaRPr lang="zh-CN" altLang="en-US" sz="1800">
+              <a:sym typeface="+mn-ea"/>
+            </a:endParaRPr>
+          </a:p>
+          <a:p>
+            <a:r>
+              <a:rPr lang="en-US" altLang="zh-CN" sz="1800">
+                <a:sym typeface="+mn-ea"/>
+              </a:rPr>
+              <a:t>value_type &amp;operator[](key_type key);</a:t>
+            </a:r>
+            <a:endParaRPr lang="en-US" altLang="zh-CN" sz="1800">
+              <a:sym typeface="+mn-ea"/>
+            </a:endParaRPr>
+          </a:p>
+          <a:p>
+            <a:r>
+              <a:rPr lang="en-US" altLang="zh-CN" sz="1800">
+                <a:sym typeface="+mn-ea"/>
+              </a:rPr>
+              <a:t>[] </a:t>
+            </a:r>
+            <a:r>
+              <a:rPr lang="zh-CN" altLang="en-US" sz="1800">
+                <a:sym typeface="+mn-ea"/>
+              </a:rPr>
+              <a:t>被调用的时候根本不知道他外面是想写入还是读取。找不到键值时，为了能兼容写入的情况，</a:t>
+            </a:r>
+            <a:r>
+              <a:rPr lang="en-US" altLang="zh-CN" sz="1800">
+                <a:sym typeface="+mn-ea"/>
+              </a:rPr>
+              <a:t>[] </a:t>
+            </a:r>
+            <a:r>
+              <a:rPr lang="zh-CN" altLang="en-US" sz="1800">
+                <a:sym typeface="+mn-ea"/>
+              </a:rPr>
+              <a:t>只好创建一个零值。</a:t>
+            </a:r>
+            <a:r>
+              <a:rPr lang="zh-CN" altLang="en-US" sz="1800">
+                <a:sym typeface="+mn-ea"/>
+              </a:rPr>
+              <a:t>而有的同学误以为</a:t>
+            </a:r>
+            <a:r>
+              <a:rPr lang="en-US" altLang="zh-CN" sz="1800">
+                <a:sym typeface="+mn-ea"/>
+              </a:rPr>
+              <a:t> [] </a:t>
+            </a:r>
+            <a:r>
+              <a:rPr lang="zh-CN" altLang="en-US" sz="1800">
+                <a:sym typeface="+mn-ea"/>
+              </a:rPr>
+              <a:t>的读取在</a:t>
+            </a:r>
+            <a:r>
+              <a:rPr lang="zh-CN" altLang="en-US" sz="1800">
+                <a:sym typeface="+mn-ea"/>
+              </a:rPr>
+              <a:t>找不到键值时自然会报错提醒他，没想到</a:t>
+            </a:r>
+            <a:r>
+              <a:rPr lang="en-US" altLang="zh-CN" sz="1800">
+                <a:sym typeface="+mn-ea"/>
+              </a:rPr>
+              <a:t> [] </a:t>
+            </a:r>
+            <a:r>
+              <a:rPr lang="zh-CN" altLang="en-US" sz="1800">
+                <a:sym typeface="+mn-ea"/>
+              </a:rPr>
+              <a:t>返回了个零值坑了他。所以他们又另起炉灶，发明了越界时不会自动创建零值，而是能抛出异常的</a:t>
+            </a:r>
+            <a:r>
+              <a:rPr lang="en-US" altLang="zh-CN" sz="1800">
+                <a:sym typeface="+mn-ea"/>
+              </a:rPr>
+              <a:t> at </a:t>
+            </a:r>
+            <a:r>
+              <a:rPr lang="zh-CN" altLang="en-US" sz="1800">
+                <a:sym typeface="+mn-ea"/>
+              </a:rPr>
+              <a:t>函数。</a:t>
+            </a:r>
+            <a:endParaRPr lang="zh-CN" altLang="en-US" sz="1800">
+              <a:sym typeface="+mn-ea"/>
+            </a:endParaRPr>
+          </a:p>
+        </p:txBody>
+      </p:sp>
+    </p:spTree>
+  </p:cSld>
+  <p:clrMapOvr>
+    <a:masterClrMapping/>
+  </p:clrMapOvr>
+</p:sld>
+</file>
+
 <file path=ppt/slides/slide2.xml><?xml version="1.0" encoding="utf-8"?>
 <p:sld xmlns:a="http://schemas.openxmlformats.org/drawingml/2006/main" xmlns:r="http://schemas.openxmlformats.org/officeDocument/2006/relationships" xmlns:p="http://schemas.openxmlformats.org/presentationml/2006/main">
   <p:cSld>
@@ -3828,18 +4807,7 @@
                 </a:solidFill>
                 <a:sym typeface="+mn-ea"/>
               </a:rPr>
-              <a:t>3. string，string_view，const char * 的爱恨纠葛 (BV</a:t>
-            </a:r>
-            <a:r>
-              <a:rPr lang="en-US" altLang="zh-CN">
-                <a:solidFill>
-                  <a:schemeClr val="bg1">
-                    <a:lumMod val="50000"/>
-                  </a:schemeClr>
-                </a:solidFill>
-                <a:sym typeface="+mn-ea"/>
-              </a:rPr>
-              <a:t>)</a:t>
+              <a:t>3. string，string_view，const char * 的爱恨纠葛 (BV1ja411M7Di)</a:t>
             </a:r>
             <a:r>
               <a:rPr lang="en-US" altLang="zh-CN" b="1">
@@ -4076,39 +5044,1474 @@
           <a:bodyPr/>
           <a:p>
             <a:r>
+              <a:rPr lang="zh-CN" altLang="en-US"/>
+              <a:t>读取元素</a:t>
+            </a:r>
+            <a:r>
+              <a:rPr lang="en-US" altLang="zh-CN"/>
+              <a:t>1</a:t>
+            </a:r>
+            <a:endParaRPr lang="en-US" altLang="zh-CN"/>
+          </a:p>
+        </p:txBody>
+      </p:sp>
+      <p:sp>
+        <p:nvSpPr>
+          <p:cNvPr id="4" name="Content Placeholder 3"/>
+          <p:cNvSpPr>
+            <a:spLocks noGrp="1"/>
+          </p:cNvSpPr>
+          <p:nvPr>
+            <p:ph sz="half" idx="1"/>
+          </p:nvPr>
+        </p:nvSpPr>
+        <p:spPr/>
+        <p:txBody>
+          <a:bodyPr/>
+          <a:p>
+            <a:r>
+              <a:rPr lang="en-US" sz="1800"/>
+              <a:t>m[key]</a:t>
+            </a:r>
+            <a:endParaRPr lang="en-US" sz="1800"/>
+          </a:p>
+          <a:p>
+            <a:r>
+              <a:rPr lang="zh-CN" altLang="en-US" sz="1800"/>
+              <a:t>含义：读取</a:t>
+            </a:r>
+            <a:r>
+              <a:rPr lang="en-US" altLang="zh-CN" sz="1800"/>
+              <a:t>m</a:t>
+            </a:r>
+            <a:r>
+              <a:rPr lang="zh-CN" altLang="en-US" sz="1800"/>
+              <a:t>中键为</a:t>
+            </a:r>
+            <a:r>
+              <a:rPr lang="en-US" altLang="zh-CN" sz="1800"/>
+              <a:t>key</a:t>
+            </a:r>
+            <a:r>
+              <a:rPr lang="zh-CN" sz="1800"/>
+              <a:t>的元素的值</a:t>
+            </a:r>
+            <a:r>
+              <a:rPr lang="zh-CN" altLang="en-US" sz="1800"/>
+              <a:t>。</a:t>
+            </a:r>
+            <a:endParaRPr lang="zh-CN" altLang="en-US" sz="1800"/>
+          </a:p>
+          <a:p>
+            <a:r>
+              <a:rPr lang="zh-CN" sz="1800"/>
+              <a:t>如果键</a:t>
+            </a:r>
+            <a:r>
+              <a:rPr lang="en-US" altLang="zh-CN" sz="1800"/>
+              <a:t>key</a:t>
+            </a:r>
+            <a:r>
+              <a:rPr lang="zh-CN" altLang="en-US" sz="1800"/>
+              <a:t>不存在，则自动写入零</a:t>
+            </a:r>
+            <a:r>
+              <a:rPr lang="en-US" altLang="zh-CN" sz="1800" baseline="30000"/>
+              <a:t>*</a:t>
+            </a:r>
+            <a:r>
+              <a:rPr lang="zh-CN" altLang="en-US" sz="1800"/>
+              <a:t>，并返回</a:t>
+            </a:r>
+            <a:r>
+              <a:rPr lang="zh-CN" altLang="en-US" sz="1800">
+                <a:sym typeface="+mn-ea"/>
+              </a:rPr>
+              <a:t>零</a:t>
+            </a:r>
+            <a:r>
+              <a:rPr lang="zh-CN" altLang="en-US" sz="1800"/>
+              <a:t>。</a:t>
+            </a:r>
+            <a:endParaRPr lang="zh-CN" altLang="en-US" sz="1800"/>
+          </a:p>
+          <a:p>
+            <a:r>
+              <a:rPr lang="zh-CN" sz="1800">
+                <a:sym typeface="+mn-ea"/>
+              </a:rPr>
+              <a:t>如果键</a:t>
+            </a:r>
+            <a:r>
+              <a:rPr lang="en-US" altLang="zh-CN" sz="1800">
+                <a:sym typeface="+mn-ea"/>
+              </a:rPr>
+              <a:t>key</a:t>
+            </a:r>
+            <a:r>
+              <a:rPr lang="zh-CN" altLang="en-US" sz="1800">
+                <a:sym typeface="+mn-ea"/>
+              </a:rPr>
+              <a:t>存在，则会返回他对应的值</a:t>
+            </a:r>
+            <a:r>
+              <a:rPr lang="zh-CN" altLang="en-US" sz="1800">
+                <a:sym typeface="+mn-ea"/>
+              </a:rPr>
+              <a:t>（引用）</a:t>
+            </a:r>
+            <a:r>
+              <a:rPr lang="zh-CN" altLang="en-US" sz="1800">
+                <a:sym typeface="+mn-ea"/>
+              </a:rPr>
+              <a:t>。</a:t>
+            </a:r>
+            <a:endParaRPr lang="zh-CN" altLang="en-US" sz="1800">
+              <a:sym typeface="+mn-ea"/>
+            </a:endParaRPr>
+          </a:p>
+          <a:p>
+            <a:r>
+              <a:rPr lang="zh-CN" altLang="en-US" sz="1800">
+                <a:sym typeface="+mn-ea"/>
+              </a:rPr>
+              <a:t>零</a:t>
+            </a:r>
+            <a:r>
+              <a:rPr lang="en-US" altLang="zh-CN" sz="1800" baseline="30000">
+                <a:sym typeface="+mn-ea"/>
+              </a:rPr>
+              <a:t>*</a:t>
+            </a:r>
+            <a:r>
+              <a:rPr lang="zh-CN" altLang="en-US" sz="1800">
+                <a:sym typeface="+mn-ea"/>
+              </a:rPr>
+              <a:t>：其实是调用</a:t>
+            </a:r>
+            <a:r>
+              <a:rPr lang="zh-CN" altLang="en-US" sz="1800">
+                <a:sym typeface="+mn-ea"/>
+              </a:rPr>
+              <a:t>值类型的</a:t>
+            </a:r>
+            <a:r>
+              <a:rPr lang="zh-CN" altLang="en-US" sz="1800">
+                <a:sym typeface="+mn-ea"/>
+              </a:rPr>
+              <a:t>默认构造函数所得到的值。例如：对</a:t>
+            </a:r>
+            <a:r>
+              <a:rPr lang="en-US" altLang="zh-CN" sz="1800">
+                <a:sym typeface="+mn-ea"/>
+              </a:rPr>
+              <a:t> int </a:t>
+            </a:r>
+            <a:r>
+              <a:rPr lang="zh-CN" altLang="en-US" sz="1800">
+                <a:sym typeface="+mn-ea"/>
+              </a:rPr>
+              <a:t>来说是</a:t>
+            </a:r>
+            <a:r>
+              <a:rPr lang="en-US" altLang="zh-CN" sz="1800">
+                <a:sym typeface="+mn-ea"/>
+              </a:rPr>
+              <a:t> 0</a:t>
+            </a:r>
+            <a:r>
+              <a:rPr lang="zh-CN" altLang="en-US" sz="1800">
+                <a:sym typeface="+mn-ea"/>
+              </a:rPr>
+              <a:t>，对</a:t>
+            </a:r>
+            <a:r>
+              <a:rPr lang="en-US" altLang="zh-CN" sz="1800">
+                <a:sym typeface="+mn-ea"/>
+              </a:rPr>
+              <a:t> float </a:t>
+            </a:r>
+            <a:r>
+              <a:rPr lang="zh-CN" altLang="en-US" sz="1800">
+                <a:sym typeface="+mn-ea"/>
+              </a:rPr>
+              <a:t>来说是</a:t>
+            </a:r>
+            <a:r>
+              <a:rPr lang="en-US" altLang="zh-CN" sz="1800">
+                <a:sym typeface="+mn-ea"/>
+              </a:rPr>
+              <a:t> 0.0f</a:t>
+            </a:r>
+            <a:r>
+              <a:rPr lang="zh-CN" altLang="en-US" sz="1800">
+                <a:sym typeface="+mn-ea"/>
+              </a:rPr>
+              <a:t>，对</a:t>
+            </a:r>
+            <a:r>
+              <a:rPr lang="en-US" altLang="zh-CN" sz="1800">
+                <a:sym typeface="+mn-ea"/>
+              </a:rPr>
+              <a:t> void * </a:t>
+            </a:r>
+            <a:r>
+              <a:rPr lang="zh-CN" altLang="en-US" sz="1800">
+                <a:sym typeface="+mn-ea"/>
+              </a:rPr>
+              <a:t>来说是</a:t>
+            </a:r>
+            <a:r>
+              <a:rPr lang="en-US" altLang="zh-CN" sz="1800">
+                <a:sym typeface="+mn-ea"/>
+              </a:rPr>
+              <a:t> nullptr</a:t>
+            </a:r>
+            <a:r>
+              <a:rPr lang="zh-CN" altLang="en-US" sz="1800">
+                <a:sym typeface="+mn-ea"/>
+              </a:rPr>
+              <a:t>，</a:t>
+            </a:r>
+            <a:r>
+              <a:rPr lang="en-US" altLang="zh-CN" sz="1800">
+                <a:sym typeface="+mn-ea"/>
+              </a:rPr>
+              <a:t>string </a:t>
+            </a:r>
+            <a:r>
+              <a:rPr lang="zh-CN" altLang="en-US" sz="1800">
+                <a:sym typeface="+mn-ea"/>
+              </a:rPr>
+              <a:t>来说是</a:t>
+            </a:r>
+            <a:r>
+              <a:rPr lang="en-US" altLang="zh-CN" sz="1800">
+                <a:sym typeface="+mn-ea"/>
+              </a:rPr>
+              <a:t> “”</a:t>
+            </a:r>
+            <a:r>
+              <a:rPr lang="zh-CN" altLang="en-US" sz="1800">
+                <a:sym typeface="+mn-ea"/>
+              </a:rPr>
+              <a:t>。</a:t>
+            </a:r>
+            <a:endParaRPr lang="zh-CN" altLang="en-US" sz="1800">
+              <a:sym typeface="+mn-ea"/>
+            </a:endParaRPr>
+          </a:p>
+          <a:p>
+            <a:r>
+              <a:rPr lang="zh-CN" altLang="en-US" sz="1800">
+                <a:sym typeface="+mn-ea"/>
+              </a:rPr>
+              <a:t>特点：读取，读不到就自动创建（零初始化）</a:t>
+            </a:r>
+            <a:endParaRPr lang="en-US" altLang="zh-CN" sz="1800">
+              <a:sym typeface="+mn-ea"/>
+            </a:endParaRPr>
+          </a:p>
+        </p:txBody>
+      </p:sp>
+      <p:pic>
+        <p:nvPicPr>
+          <p:cNvPr id="6" name="Content Placeholder 5"/>
+          <p:cNvPicPr>
+            <a:picLocks noChangeAspect="1"/>
+          </p:cNvPicPr>
+          <p:nvPr>
+            <p:ph sz="half" idx="2"/>
+          </p:nvPr>
+        </p:nvPicPr>
+        <p:blipFill>
+          <a:blip r:embed="rId1"/>
+          <a:stretch>
+            <a:fillRect/>
+          </a:stretch>
+        </p:blipFill>
+        <p:spPr>
+          <a:xfrm>
+            <a:off x="5981700" y="1952625"/>
+            <a:ext cx="5181600" cy="4096385"/>
+          </a:xfrm>
+          <a:prstGeom prst="rect">
+            <a:avLst/>
+          </a:prstGeom>
+        </p:spPr>
+      </p:pic>
+    </p:spTree>
+  </p:cSld>
+  <p:clrMapOvr>
+    <a:masterClrMapping/>
+  </p:clrMapOvr>
+</p:sld>
+</file>
+
+<file path=ppt/slides/slide4.xml><?xml version="1.0" encoding="utf-8"?>
+<p:sld xmlns:a="http://schemas.openxmlformats.org/drawingml/2006/main" xmlns:r="http://schemas.openxmlformats.org/officeDocument/2006/relationships" xmlns:p="http://schemas.openxmlformats.org/presentationml/2006/main">
+  <p:cSld>
+    <p:spTree>
+      <p:nvGrpSpPr>
+        <p:cNvPr id="1" name=""/>
+        <p:cNvGrpSpPr/>
+        <p:nvPr/>
+      </p:nvGrpSpPr>
+      <p:grpSpPr/>
+      <p:sp>
+        <p:nvSpPr>
+          <p:cNvPr id="2" name="Title 1"/>
+          <p:cNvSpPr>
+            <a:spLocks noGrp="1"/>
+          </p:cNvSpPr>
+          <p:nvPr>
+            <p:ph type="title"/>
+          </p:nvPr>
+        </p:nvSpPr>
+        <p:spPr/>
+        <p:txBody>
+          <a:bodyPr/>
+          <a:p>
+            <a:r>
+              <a:rPr lang="zh-CN" altLang="en-US"/>
+              <a:t>读取元素</a:t>
+            </a:r>
+            <a:r>
+              <a:rPr lang="en-US" altLang="zh-CN"/>
+              <a:t>2</a:t>
+            </a:r>
+            <a:endParaRPr lang="en-US" altLang="zh-CN"/>
+          </a:p>
+        </p:txBody>
+      </p:sp>
+      <p:sp>
+        <p:nvSpPr>
+          <p:cNvPr id="4" name="Content Placeholder 3"/>
+          <p:cNvSpPr>
+            <a:spLocks noGrp="1"/>
+          </p:cNvSpPr>
+          <p:nvPr>
+            <p:ph sz="half" idx="1"/>
+          </p:nvPr>
+        </p:nvSpPr>
+        <p:spPr/>
+        <p:txBody>
+          <a:bodyPr/>
+          <a:p>
+            <a:r>
+              <a:rPr lang="en-US" sz="1800"/>
+              <a:t>m.at(key)</a:t>
+            </a:r>
+            <a:endParaRPr lang="en-US" sz="1800"/>
+          </a:p>
+          <a:p>
+            <a:r>
+              <a:rPr lang="zh-CN" altLang="en-US" sz="1800"/>
+              <a:t>含义：读取</a:t>
+            </a:r>
+            <a:r>
+              <a:rPr lang="en-US" altLang="zh-CN" sz="1800"/>
+              <a:t>m</a:t>
+            </a:r>
+            <a:r>
+              <a:rPr lang="zh-CN" altLang="en-US" sz="1800"/>
+              <a:t>中键为</a:t>
+            </a:r>
+            <a:r>
+              <a:rPr lang="en-US" altLang="zh-CN" sz="1800"/>
+              <a:t>key</a:t>
+            </a:r>
+            <a:r>
+              <a:rPr lang="zh-CN" sz="1800"/>
+              <a:t>的元素的值</a:t>
+            </a:r>
+            <a:r>
+              <a:rPr lang="zh-CN" altLang="en-US" sz="1800"/>
+              <a:t>。</a:t>
+            </a:r>
+            <a:endParaRPr lang="zh-CN" altLang="en-US" sz="1800"/>
+          </a:p>
+          <a:p>
+            <a:r>
+              <a:rPr lang="zh-CN" sz="1800"/>
+              <a:t>如果键</a:t>
+            </a:r>
+            <a:r>
+              <a:rPr lang="en-US" altLang="zh-CN" sz="1800"/>
+              <a:t>key</a:t>
+            </a:r>
+            <a:r>
+              <a:rPr lang="zh-CN" altLang="en-US" sz="1800"/>
+              <a:t>不存在，则抛出</a:t>
+            </a:r>
+            <a:r>
+              <a:rPr lang="en-US" altLang="zh-CN" sz="1800"/>
+              <a:t> out_of_range </a:t>
+            </a:r>
+            <a:r>
+              <a:rPr lang="zh-CN" altLang="en-US" sz="1800"/>
+              <a:t>异常。</a:t>
+            </a:r>
+            <a:endParaRPr lang="zh-CN" altLang="en-US" sz="1800"/>
+          </a:p>
+          <a:p>
+            <a:r>
+              <a:rPr lang="zh-CN" sz="1800">
+                <a:sym typeface="+mn-ea"/>
+              </a:rPr>
+              <a:t>如果键</a:t>
+            </a:r>
+            <a:r>
+              <a:rPr lang="en-US" altLang="zh-CN" sz="1800">
+                <a:sym typeface="+mn-ea"/>
+              </a:rPr>
+              <a:t>key</a:t>
+            </a:r>
+            <a:r>
+              <a:rPr lang="zh-CN" altLang="en-US" sz="1800">
+                <a:sym typeface="+mn-ea"/>
+              </a:rPr>
+              <a:t>存在，则会返回他对应的值（引用）。</a:t>
+            </a:r>
+            <a:endParaRPr lang="zh-CN" altLang="en-US" sz="1800">
+              <a:sym typeface="+mn-ea"/>
+            </a:endParaRPr>
+          </a:p>
+          <a:p>
+            <a:r>
+              <a:rPr lang="zh-CN" altLang="en-US" sz="1800">
+                <a:sym typeface="+mn-ea"/>
+              </a:rPr>
+              <a:t>特点：读取，读不到就抛异常</a:t>
+            </a:r>
+            <a:endParaRPr lang="zh-CN" altLang="en-US" sz="1800"/>
+          </a:p>
+        </p:txBody>
+      </p:sp>
+      <p:pic>
+        <p:nvPicPr>
+          <p:cNvPr id="6" name="Content Placeholder 5"/>
+          <p:cNvPicPr>
+            <a:picLocks noChangeAspect="1"/>
+          </p:cNvPicPr>
+          <p:nvPr>
+            <p:ph sz="half" idx="2"/>
+          </p:nvPr>
+        </p:nvPicPr>
+        <p:blipFill>
+          <a:blip r:embed="rId1"/>
+          <a:stretch>
+            <a:fillRect/>
+          </a:stretch>
+        </p:blipFill>
+        <p:spPr>
+          <a:xfrm>
+            <a:off x="5981700" y="1952625"/>
+            <a:ext cx="5181600" cy="4096385"/>
+          </a:xfrm>
+          <a:prstGeom prst="rect">
+            <a:avLst/>
+          </a:prstGeom>
+        </p:spPr>
+      </p:pic>
+    </p:spTree>
+  </p:cSld>
+  <p:clrMapOvr>
+    <a:masterClrMapping/>
+  </p:clrMapOvr>
+</p:sld>
+</file>
+
+<file path=ppt/slides/slide5.xml><?xml version="1.0" encoding="utf-8"?>
+<p:sld xmlns:a="http://schemas.openxmlformats.org/drawingml/2006/main" xmlns:r="http://schemas.openxmlformats.org/officeDocument/2006/relationships" xmlns:p="http://schemas.openxmlformats.org/presentationml/2006/main">
+  <p:cSld>
+    <p:spTree>
+      <p:nvGrpSpPr>
+        <p:cNvPr id="1" name=""/>
+        <p:cNvGrpSpPr/>
+        <p:nvPr/>
+      </p:nvGrpSpPr>
+      <p:grpSpPr/>
+      <p:sp>
+        <p:nvSpPr>
+          <p:cNvPr id="2" name="Title 1"/>
+          <p:cNvSpPr>
+            <a:spLocks noGrp="1"/>
+          </p:cNvSpPr>
+          <p:nvPr>
+            <p:ph type="title"/>
+          </p:nvPr>
+        </p:nvSpPr>
+        <p:spPr/>
+        <p:txBody>
+          <a:bodyPr/>
+          <a:p>
+            <a:r>
+              <a:rPr lang="zh-CN" altLang="en-US"/>
+              <a:t>插入元素</a:t>
+            </a:r>
+            <a:r>
+              <a:rPr lang="en-US" altLang="zh-CN"/>
+              <a:t>1</a:t>
+            </a:r>
+            <a:endParaRPr lang="en-US" altLang="zh-CN"/>
+          </a:p>
+        </p:txBody>
+      </p:sp>
+      <p:sp>
+        <p:nvSpPr>
+          <p:cNvPr id="4" name="Content Placeholder 3"/>
+          <p:cNvSpPr>
+            <a:spLocks noGrp="1"/>
+          </p:cNvSpPr>
+          <p:nvPr>
+            <p:ph sz="half" idx="1"/>
+          </p:nvPr>
+        </p:nvSpPr>
+        <p:spPr/>
+        <p:txBody>
+          <a:bodyPr/>
+          <a:p>
+            <a:r>
+              <a:rPr lang="en-US" sz="1800"/>
+              <a:t>m[key] = val</a:t>
+            </a:r>
+            <a:endParaRPr lang="en-US" sz="1800"/>
+          </a:p>
+          <a:p>
+            <a:r>
+              <a:rPr lang="zh-CN" altLang="en-US" sz="1800"/>
+              <a:t>含义：往</a:t>
+            </a:r>
+            <a:r>
+              <a:rPr lang="en-US" altLang="zh-CN" sz="1800"/>
+              <a:t>m</a:t>
+            </a:r>
+            <a:r>
+              <a:rPr lang="zh-CN" altLang="en-US" sz="1800"/>
+              <a:t>中插入键为</a:t>
+            </a:r>
+            <a:r>
+              <a:rPr lang="en-US" altLang="zh-CN" sz="1800"/>
+              <a:t>key</a:t>
+            </a:r>
+            <a:r>
+              <a:rPr lang="zh-CN" altLang="en-US" sz="1800"/>
+              <a:t>，值为</a:t>
+            </a:r>
+            <a:r>
+              <a:rPr lang="en-US" altLang="zh-CN" sz="1800"/>
+              <a:t>val</a:t>
+            </a:r>
+            <a:r>
+              <a:rPr lang="zh-CN" altLang="en-US" sz="1800"/>
+              <a:t>的元素。</a:t>
+            </a:r>
+            <a:endParaRPr lang="zh-CN" altLang="en-US" sz="1800"/>
+          </a:p>
+          <a:p>
+            <a:r>
+              <a:rPr lang="zh-CN" altLang="en-US" sz="1800"/>
+              <a:t>如果键</a:t>
+            </a:r>
+            <a:r>
+              <a:rPr lang="en-US" altLang="zh-CN" sz="1800"/>
+              <a:t>key</a:t>
+            </a:r>
+            <a:r>
+              <a:rPr lang="zh-CN" altLang="en-US" sz="1800"/>
+              <a:t>不存在，则会创建一个，并赋值为</a:t>
+            </a:r>
+            <a:r>
+              <a:rPr lang="en-US" altLang="zh-CN" sz="1800"/>
+              <a:t>val</a:t>
+            </a:r>
+            <a:r>
+              <a:rPr lang="zh-CN" altLang="en-US" sz="1800"/>
+              <a:t>。</a:t>
+            </a:r>
+            <a:endParaRPr lang="zh-CN" altLang="en-US" sz="1800"/>
+          </a:p>
+          <a:p>
+            <a:r>
+              <a:rPr lang="zh-CN" altLang="en-US" sz="1800"/>
+              <a:t>如果</a:t>
+            </a:r>
+            <a:r>
+              <a:rPr lang="zh-CN" altLang="en-US" sz="1800">
+                <a:sym typeface="+mn-ea"/>
+              </a:rPr>
+              <a:t>键</a:t>
+            </a:r>
+            <a:r>
+              <a:rPr lang="en-US" altLang="zh-CN" sz="1800"/>
+              <a:t>key</a:t>
+            </a:r>
+            <a:r>
+              <a:rPr lang="zh-CN" altLang="en-US" sz="1800"/>
+              <a:t>已经存在，则会覆盖他，写入新值</a:t>
+            </a:r>
+            <a:r>
+              <a:rPr lang="en-US" altLang="zh-CN" sz="1800"/>
+              <a:t>val</a:t>
+            </a:r>
+            <a:r>
+              <a:rPr lang="zh-CN" altLang="en-US" sz="1800"/>
+              <a:t>。</a:t>
+            </a:r>
+            <a:endParaRPr lang="zh-CN" altLang="en-US" sz="1800"/>
+          </a:p>
+          <a:p>
+            <a:r>
+              <a:rPr lang="zh-CN" altLang="en-US" sz="1800"/>
+              <a:t>特点：写入，</a:t>
+            </a:r>
+            <a:r>
+              <a:rPr lang="zh-CN" altLang="en-US" sz="1800">
+                <a:sym typeface="+mn-ea"/>
+              </a:rPr>
+              <a:t>没这个键就自动</a:t>
+            </a:r>
+            <a:r>
+              <a:rPr lang="zh-CN" altLang="en-US" sz="1800"/>
+              <a:t>创建</a:t>
+            </a:r>
+            <a:r>
+              <a:rPr lang="zh-CN" altLang="en-US" sz="1800">
+                <a:sym typeface="+mn-ea"/>
+              </a:rPr>
+              <a:t>（零初始化）</a:t>
+            </a:r>
+            <a:endParaRPr lang="en-US" altLang="zh-CN" sz="1800">
+              <a:sym typeface="+mn-ea"/>
+            </a:endParaRPr>
+          </a:p>
+          <a:p>
+            <a:pPr marL="0" indent="0">
+              <a:buNone/>
+            </a:pPr>
+            <a:endParaRPr lang="en-US" altLang="zh-CN" sz="1800"/>
+          </a:p>
+        </p:txBody>
+      </p:sp>
+      <p:pic>
+        <p:nvPicPr>
+          <p:cNvPr id="6" name="Content Placeholder 5"/>
+          <p:cNvPicPr>
+            <a:picLocks noChangeAspect="1"/>
+          </p:cNvPicPr>
+          <p:nvPr>
+            <p:ph sz="half" idx="2"/>
+          </p:nvPr>
+        </p:nvPicPr>
+        <p:blipFill>
+          <a:blip r:embed="rId1"/>
+          <a:stretch>
+            <a:fillRect/>
+          </a:stretch>
+        </p:blipFill>
+        <p:spPr>
+          <a:xfrm>
+            <a:off x="5981700" y="1952625"/>
+            <a:ext cx="5181600" cy="4096385"/>
+          </a:xfrm>
+          <a:prstGeom prst="rect">
+            <a:avLst/>
+          </a:prstGeom>
+        </p:spPr>
+      </p:pic>
+    </p:spTree>
+  </p:cSld>
+  <p:clrMapOvr>
+    <a:masterClrMapping/>
+  </p:clrMapOvr>
+</p:sld>
+</file>
+
+<file path=ppt/slides/slide6.xml><?xml version="1.0" encoding="utf-8"?>
+<p:sld xmlns:a="http://schemas.openxmlformats.org/drawingml/2006/main" xmlns:r="http://schemas.openxmlformats.org/officeDocument/2006/relationships" xmlns:p="http://schemas.openxmlformats.org/presentationml/2006/main">
+  <p:cSld>
+    <p:spTree>
+      <p:nvGrpSpPr>
+        <p:cNvPr id="1" name=""/>
+        <p:cNvGrpSpPr/>
+        <p:nvPr/>
+      </p:nvGrpSpPr>
+      <p:grpSpPr/>
+      <p:sp>
+        <p:nvSpPr>
+          <p:cNvPr id="2" name="Title 1"/>
+          <p:cNvSpPr>
+            <a:spLocks noGrp="1"/>
+          </p:cNvSpPr>
+          <p:nvPr>
+            <p:ph type="title"/>
+          </p:nvPr>
+        </p:nvSpPr>
+        <p:spPr/>
+        <p:txBody>
+          <a:bodyPr/>
+          <a:p>
+            <a:r>
+              <a:rPr lang="zh-CN" altLang="en-US"/>
+              <a:t>插入元素</a:t>
+            </a:r>
+            <a:r>
+              <a:rPr lang="en-US" altLang="zh-CN"/>
+              <a:t>2</a:t>
+            </a:r>
+            <a:endParaRPr lang="en-US" altLang="zh-CN"/>
+          </a:p>
+        </p:txBody>
+      </p:sp>
+      <p:sp>
+        <p:nvSpPr>
+          <p:cNvPr id="4" name="Content Placeholder 3"/>
+          <p:cNvSpPr>
+            <a:spLocks noGrp="1"/>
+          </p:cNvSpPr>
+          <p:nvPr>
+            <p:ph sz="half" idx="1"/>
+          </p:nvPr>
+        </p:nvSpPr>
+        <p:spPr/>
+        <p:txBody>
+          <a:bodyPr/>
+          <a:p>
+            <a:r>
+              <a:rPr lang="en-US" sz="1800"/>
+              <a:t>m.at(key) = val</a:t>
+            </a:r>
+            <a:endParaRPr lang="en-US" sz="1800"/>
+          </a:p>
+          <a:p>
+            <a:r>
+              <a:rPr lang="zh-CN" altLang="en-US" sz="1800"/>
+              <a:t>含义：往</a:t>
+            </a:r>
+            <a:r>
+              <a:rPr lang="en-US" altLang="zh-CN" sz="1800"/>
+              <a:t>m</a:t>
+            </a:r>
+            <a:r>
+              <a:rPr lang="zh-CN" altLang="en-US" sz="1800"/>
+              <a:t>中插入键为</a:t>
+            </a:r>
+            <a:r>
+              <a:rPr lang="en-US" altLang="zh-CN" sz="1800"/>
+              <a:t>key</a:t>
+            </a:r>
+            <a:r>
+              <a:rPr lang="zh-CN" altLang="en-US" sz="1800"/>
+              <a:t>，值为</a:t>
+            </a:r>
+            <a:r>
+              <a:rPr lang="en-US" altLang="zh-CN" sz="1800"/>
+              <a:t>val</a:t>
+            </a:r>
+            <a:r>
+              <a:rPr lang="zh-CN" altLang="en-US" sz="1800"/>
+              <a:t>的元素。</a:t>
+            </a:r>
+            <a:endParaRPr lang="zh-CN" altLang="en-US" sz="1800"/>
+          </a:p>
+          <a:p>
+            <a:r>
+              <a:rPr lang="zh-CN" altLang="en-US" sz="1800"/>
+              <a:t>如果键</a:t>
+            </a:r>
+            <a:r>
+              <a:rPr lang="en-US" altLang="zh-CN" sz="1800"/>
+              <a:t>key</a:t>
+            </a:r>
+            <a:r>
+              <a:rPr lang="zh-CN" altLang="en-US" sz="1800"/>
+              <a:t>不存在，则</a:t>
+            </a:r>
+            <a:r>
+              <a:rPr lang="zh-CN" altLang="en-US" sz="1800">
+                <a:sym typeface="+mn-ea"/>
+              </a:rPr>
+              <a:t>抛出</a:t>
+            </a:r>
+            <a:r>
+              <a:rPr lang="en-US" altLang="zh-CN" sz="1800">
+                <a:sym typeface="+mn-ea"/>
+              </a:rPr>
+              <a:t> out_of_range </a:t>
+            </a:r>
+            <a:r>
+              <a:rPr lang="zh-CN" altLang="en-US" sz="1800">
+                <a:sym typeface="+mn-ea"/>
+              </a:rPr>
+              <a:t>异常</a:t>
+            </a:r>
+            <a:r>
+              <a:rPr lang="zh-CN" altLang="en-US" sz="1800"/>
+              <a:t>。</a:t>
+            </a:r>
+            <a:endParaRPr lang="zh-CN" altLang="en-US" sz="1800"/>
+          </a:p>
+          <a:p>
+            <a:r>
+              <a:rPr lang="zh-CN" altLang="en-US" sz="1800"/>
+              <a:t>如果</a:t>
+            </a:r>
+            <a:r>
+              <a:rPr lang="zh-CN" altLang="en-US" sz="1800">
+                <a:sym typeface="+mn-ea"/>
+              </a:rPr>
+              <a:t>键</a:t>
+            </a:r>
+            <a:r>
+              <a:rPr lang="en-US" altLang="zh-CN" sz="1800"/>
+              <a:t>key</a:t>
+            </a:r>
+            <a:r>
+              <a:rPr lang="zh-CN" altLang="en-US" sz="1800"/>
+              <a:t>已经存在，则会覆盖他，写入新值</a:t>
+            </a:r>
+            <a:r>
+              <a:rPr lang="en-US" altLang="zh-CN" sz="1800"/>
+              <a:t>val</a:t>
+            </a:r>
+            <a:r>
+              <a:rPr lang="zh-CN" altLang="en-US" sz="1800"/>
+              <a:t>。</a:t>
+            </a:r>
+            <a:endParaRPr lang="zh-CN" altLang="en-US" sz="1800"/>
+          </a:p>
+          <a:p>
+            <a:r>
+              <a:rPr lang="zh-CN" altLang="en-US" sz="1800">
+                <a:sym typeface="+mn-ea"/>
+              </a:rPr>
+              <a:t>特点：写入，没这个键</a:t>
+            </a:r>
+            <a:r>
+              <a:rPr lang="zh-CN" altLang="en-US" sz="1800">
+                <a:sym typeface="+mn-ea"/>
+              </a:rPr>
+              <a:t>就抛异常</a:t>
+            </a:r>
+            <a:endParaRPr lang="zh-CN" altLang="en-US" sz="1800"/>
+          </a:p>
+        </p:txBody>
+      </p:sp>
+      <p:pic>
+        <p:nvPicPr>
+          <p:cNvPr id="6" name="Content Placeholder 5"/>
+          <p:cNvPicPr>
+            <a:picLocks noChangeAspect="1"/>
+          </p:cNvPicPr>
+          <p:nvPr>
+            <p:ph sz="half" idx="2"/>
+          </p:nvPr>
+        </p:nvPicPr>
+        <p:blipFill>
+          <a:blip r:embed="rId1"/>
+          <a:stretch>
+            <a:fillRect/>
+          </a:stretch>
+        </p:blipFill>
+        <p:spPr>
+          <a:xfrm>
+            <a:off x="5981700" y="1952625"/>
+            <a:ext cx="5181600" cy="4096385"/>
+          </a:xfrm>
+          <a:prstGeom prst="rect">
+            <a:avLst/>
+          </a:prstGeom>
+        </p:spPr>
+      </p:pic>
+    </p:spTree>
+  </p:cSld>
+  <p:clrMapOvr>
+    <a:masterClrMapping/>
+  </p:clrMapOvr>
+</p:sld>
+</file>
+
+<file path=ppt/slides/slide7.xml><?xml version="1.0" encoding="utf-8"?>
+<p:sld xmlns:a="http://schemas.openxmlformats.org/drawingml/2006/main" xmlns:r="http://schemas.openxmlformats.org/officeDocument/2006/relationships" xmlns:p="http://schemas.openxmlformats.org/presentationml/2006/main">
+  <p:cSld>
+    <p:spTree>
+      <p:nvGrpSpPr>
+        <p:cNvPr id="1" name=""/>
+        <p:cNvGrpSpPr/>
+        <p:nvPr/>
+      </p:nvGrpSpPr>
+      <p:grpSpPr/>
+      <p:sp>
+        <p:nvSpPr>
+          <p:cNvPr id="2" name="Title 1"/>
+          <p:cNvSpPr>
+            <a:spLocks noGrp="1"/>
+          </p:cNvSpPr>
+          <p:nvPr>
+            <p:ph type="title"/>
+          </p:nvPr>
+        </p:nvSpPr>
+        <p:spPr/>
+        <p:txBody>
+          <a:bodyPr/>
+          <a:p>
+            <a:r>
+              <a:rPr lang="en-US" altLang="zh-CN"/>
+              <a:t>C++ </a:t>
+            </a:r>
+            <a:r>
+              <a:rPr lang="zh-CN" altLang="en-US"/>
+              <a:t>和</a:t>
+            </a:r>
+            <a:r>
+              <a:rPr lang="en-US" altLang="zh-CN"/>
+              <a:t> </a:t>
+            </a:r>
+            <a:r>
+              <a:rPr lang="en-US"/>
+              <a:t>Python </a:t>
+            </a:r>
+            <a:r>
+              <a:rPr lang="zh-CN" altLang="en-US"/>
+              <a:t>对照表：方便理解</a:t>
+            </a:r>
+            <a:endParaRPr lang="en-US" altLang="zh-CN"/>
+          </a:p>
+        </p:txBody>
+      </p:sp>
+      <p:pic>
+        <p:nvPicPr>
+          <p:cNvPr id="6" name="Content Placeholder 5"/>
+          <p:cNvPicPr>
+            <a:picLocks noChangeAspect="1"/>
+          </p:cNvPicPr>
+          <p:nvPr>
+            <p:ph sz="half" idx="2"/>
+          </p:nvPr>
+        </p:nvPicPr>
+        <p:blipFill>
+          <a:blip r:embed="rId1"/>
+          <a:srcRect l="12829"/>
+          <a:stretch>
+            <a:fillRect/>
+          </a:stretch>
+        </p:blipFill>
+        <p:spPr>
+          <a:xfrm>
+            <a:off x="7120255" y="2772410"/>
+            <a:ext cx="3404235" cy="2457450"/>
+          </a:xfrm>
+          <a:prstGeom prst="rect">
+            <a:avLst/>
+          </a:prstGeom>
+        </p:spPr>
+      </p:pic>
+      <p:pic>
+        <p:nvPicPr>
+          <p:cNvPr id="7" name="Content Placeholder 6"/>
+          <p:cNvPicPr>
+            <a:picLocks noChangeAspect="1"/>
+          </p:cNvPicPr>
+          <p:nvPr>
+            <p:ph sz="half" idx="1"/>
+          </p:nvPr>
+        </p:nvPicPr>
+        <p:blipFill>
+          <a:blip r:embed="rId2"/>
+          <a:stretch>
+            <a:fillRect/>
+          </a:stretch>
+        </p:blipFill>
+        <p:spPr>
+          <a:xfrm>
+            <a:off x="894715" y="2772410"/>
+            <a:ext cx="4686300" cy="2457450"/>
+          </a:xfrm>
+          <a:prstGeom prst="rect">
+            <a:avLst/>
+          </a:prstGeom>
+        </p:spPr>
+      </p:pic>
+      <p:sp>
+        <p:nvSpPr>
+          <p:cNvPr id="8" name="Text Box 7"/>
+          <p:cNvSpPr txBox="1"/>
+          <p:nvPr/>
+        </p:nvSpPr>
+        <p:spPr>
+          <a:xfrm>
+            <a:off x="1967865" y="1717040"/>
+            <a:ext cx="2540000" cy="922020"/>
+          </a:xfrm>
+          <a:prstGeom prst="rect">
+            <a:avLst/>
+          </a:prstGeom>
+          <a:noFill/>
+        </p:spPr>
+        <p:txBody>
+          <a:bodyPr wrap="square" rtlCol="0" anchor="t">
+            <a:spAutoFit/>
+          </a:bodyPr>
+          <a:p>
+            <a:r>
+              <a:rPr lang="zh-CN" altLang="en-US">
+                <a:solidFill>
+                  <a:schemeClr val="tx2"/>
+                </a:solidFill>
+                <a:sym typeface="+mn-ea"/>
+              </a:rPr>
+              <a:t>小彭老师总结最佳实践：</a:t>
+            </a:r>
+            <a:endParaRPr lang="en-US">
+              <a:solidFill>
+                <a:schemeClr val="tx2"/>
+              </a:solidFill>
+              <a:sym typeface="+mn-ea"/>
+            </a:endParaRPr>
+          </a:p>
+          <a:p>
+            <a:r>
+              <a:rPr lang="zh-CN" altLang="en-US">
+                <a:solidFill>
+                  <a:schemeClr val="tx2"/>
+                </a:solidFill>
+                <a:sym typeface="+mn-ea"/>
+              </a:rPr>
+              <a:t>写入时，必须用</a:t>
+            </a:r>
+            <a:r>
+              <a:rPr lang="en-US" altLang="zh-CN">
+                <a:solidFill>
+                  <a:schemeClr val="tx2"/>
+                </a:solidFill>
+                <a:sym typeface="+mn-ea"/>
+              </a:rPr>
+              <a:t> </a:t>
+            </a:r>
+            <a:r>
+              <a:rPr lang="en-US">
+                <a:solidFill>
+                  <a:schemeClr val="tx2"/>
+                </a:solidFill>
+                <a:sym typeface="+mn-ea"/>
+              </a:rPr>
+              <a:t>[]</a:t>
+            </a:r>
+            <a:r>
+              <a:rPr lang="zh-CN" altLang="en-US">
+                <a:solidFill>
+                  <a:schemeClr val="tx2"/>
+                </a:solidFill>
+                <a:sym typeface="+mn-ea"/>
+              </a:rPr>
+              <a:t>。</a:t>
+            </a:r>
+            <a:endParaRPr lang="zh-CN" altLang="en-US">
+              <a:solidFill>
+                <a:schemeClr val="tx2"/>
+              </a:solidFill>
+            </a:endParaRPr>
+          </a:p>
+          <a:p>
+            <a:r>
+              <a:rPr lang="zh-CN" altLang="en-US" b="1">
+                <a:solidFill>
+                  <a:schemeClr val="tx2"/>
+                </a:solidFill>
+                <a:sym typeface="+mn-ea"/>
+              </a:rPr>
+              <a:t>读取时，必须用</a:t>
+            </a:r>
+            <a:r>
+              <a:rPr lang="en-US" altLang="zh-CN" b="1">
+                <a:solidFill>
+                  <a:schemeClr val="tx2"/>
+                </a:solidFill>
+                <a:sym typeface="+mn-ea"/>
+              </a:rPr>
+              <a:t> </a:t>
+            </a:r>
+            <a:r>
+              <a:rPr lang="en-US" altLang="zh-CN" b="1">
+                <a:solidFill>
+                  <a:schemeClr val="tx2"/>
+                </a:solidFill>
+                <a:sym typeface="+mn-ea"/>
+              </a:rPr>
+              <a:t>at</a:t>
+            </a:r>
+            <a:r>
+              <a:rPr lang="zh-CN" altLang="en-US" b="1">
+                <a:solidFill>
+                  <a:schemeClr val="tx2"/>
+                </a:solidFill>
+                <a:sym typeface="+mn-ea"/>
+              </a:rPr>
+              <a:t>。</a:t>
+            </a:r>
+            <a:endParaRPr lang="zh-CN" altLang="en-US" b="1">
+              <a:solidFill>
+                <a:schemeClr val="tx2"/>
+              </a:solidFill>
+              <a:sym typeface="+mn-ea"/>
+            </a:endParaRPr>
+          </a:p>
+        </p:txBody>
+      </p:sp>
+    </p:spTree>
+  </p:cSld>
+  <p:clrMapOvr>
+    <a:masterClrMapping/>
+  </p:clrMapOvr>
+</p:sld>
+</file>
+
+<file path=ppt/slides/slide8.xml><?xml version="1.0" encoding="utf-8"?>
+<p:sld xmlns:a="http://schemas.openxmlformats.org/drawingml/2006/main" xmlns:r="http://schemas.openxmlformats.org/officeDocument/2006/relationships" xmlns:p="http://schemas.openxmlformats.org/presentationml/2006/main">
+  <p:cSld>
+    <p:spTree>
+      <p:nvGrpSpPr>
+        <p:cNvPr id="1" name=""/>
+        <p:cNvGrpSpPr/>
+        <p:nvPr/>
+      </p:nvGrpSpPr>
+      <p:grpSpPr/>
+      <p:sp>
+        <p:nvSpPr>
+          <p:cNvPr id="2" name="Title 1"/>
+          <p:cNvSpPr>
+            <a:spLocks noGrp="1"/>
+          </p:cNvSpPr>
+          <p:nvPr>
+            <p:ph type="title"/>
+          </p:nvPr>
+        </p:nvSpPr>
+        <p:spPr/>
+        <p:txBody>
+          <a:bodyPr/>
+          <a:p>
+            <a:r>
+              <a:rPr lang="zh-CN" altLang="en-US"/>
+              <a:t>错误示范</a:t>
+            </a:r>
+            <a:endParaRPr lang="zh-CN" altLang="en-US"/>
+          </a:p>
+        </p:txBody>
+      </p:sp>
+      <p:sp>
+        <p:nvSpPr>
+          <p:cNvPr id="3" name="Content Placeholder 2"/>
+          <p:cNvSpPr>
+            <a:spLocks noGrp="1"/>
+          </p:cNvSpPr>
+          <p:nvPr>
+            <p:ph sz="half" idx="1"/>
+          </p:nvPr>
+        </p:nvSpPr>
+        <p:spPr/>
+        <p:txBody>
+          <a:bodyPr/>
+          <a:p>
+            <a:r>
+              <a:rPr lang="zh-CN" altLang="en-US"/>
+              <a:t>小彭老师说过，读取必须用</a:t>
+            </a:r>
+            <a:r>
+              <a:rPr lang="en-US" altLang="zh-CN"/>
+              <a:t> at</a:t>
+            </a:r>
+            <a:r>
+              <a:rPr lang="zh-CN" altLang="en-US"/>
+              <a:t>。</a:t>
+            </a:r>
+            <a:endParaRPr lang="zh-CN" altLang="en-US"/>
+          </a:p>
+          <a:p>
+            <a:r>
+              <a:rPr lang="zh-CN" altLang="en-US"/>
+              <a:t>而这位同学却用了</a:t>
+            </a:r>
+            <a:r>
+              <a:rPr lang="en-US" altLang="zh-CN"/>
+              <a:t> [] </a:t>
+            </a:r>
+            <a:r>
+              <a:rPr lang="zh-CN" altLang="en-US"/>
+              <a:t>来读取</a:t>
+            </a:r>
+            <a:r>
+              <a:rPr lang="en-US" altLang="zh-CN"/>
+              <a:t> items </a:t>
+            </a:r>
+            <a:r>
+              <a:rPr lang="zh-CN" altLang="en-US"/>
+              <a:t>里的值。</a:t>
+            </a:r>
+            <a:endParaRPr lang="zh-CN" altLang="en-US"/>
+          </a:p>
+          <a:p>
+            <a:r>
+              <a:rPr lang="zh-CN" altLang="en-US"/>
+              <a:t>乍看之下好像没错，运行结果也是正确的，但这种代码就像被抽空的叠叠乐一样危险重重，稍微有一颗稻草就能压垮骆驼。</a:t>
+            </a:r>
+            <a:endParaRPr lang="en-US" altLang="zh-CN"/>
+          </a:p>
+        </p:txBody>
+      </p:sp>
+      <p:pic>
+        <p:nvPicPr>
+          <p:cNvPr id="5" name="Content Placeholder 4"/>
+          <p:cNvPicPr>
+            <a:picLocks noChangeAspect="1"/>
+          </p:cNvPicPr>
+          <p:nvPr>
+            <p:ph sz="half" idx="2"/>
+          </p:nvPr>
+        </p:nvPicPr>
+        <p:blipFill>
+          <a:blip r:embed="rId1"/>
+          <a:stretch>
+            <a:fillRect/>
+          </a:stretch>
+        </p:blipFill>
+        <p:spPr>
+          <a:xfrm>
+            <a:off x="5981700" y="1957705"/>
+            <a:ext cx="5181600" cy="4086860"/>
+          </a:xfrm>
+          <a:prstGeom prst="rect">
+            <a:avLst/>
+          </a:prstGeom>
+        </p:spPr>
+      </p:pic>
+    </p:spTree>
+  </p:cSld>
+  <p:clrMapOvr>
+    <a:masterClrMapping/>
+  </p:clrMapOvr>
+</p:sld>
+</file>
+
+<file path=ppt/slides/slide9.xml><?xml version="1.0" encoding="utf-8"?>
+<p:sld xmlns:a="http://schemas.openxmlformats.org/drawingml/2006/main" xmlns:r="http://schemas.openxmlformats.org/officeDocument/2006/relationships" xmlns:p="http://schemas.openxmlformats.org/presentationml/2006/main">
+  <p:cSld>
+    <p:spTree>
+      <p:nvGrpSpPr>
+        <p:cNvPr id="1" name=""/>
+        <p:cNvGrpSpPr/>
+        <p:nvPr/>
+      </p:nvGrpSpPr>
+      <p:grpSpPr/>
+      <p:sp>
+        <p:nvSpPr>
+          <p:cNvPr id="2" name="Title 1"/>
+          <p:cNvSpPr>
+            <a:spLocks noGrp="1"/>
+          </p:cNvSpPr>
+          <p:nvPr>
+            <p:ph type="title"/>
+          </p:nvPr>
+        </p:nvSpPr>
+        <p:spPr/>
+        <p:txBody>
+          <a:bodyPr/>
+          <a:p>
+            <a:r>
+              <a:rPr lang="zh-CN" altLang="en-US"/>
+              <a:t>错误示范</a:t>
+            </a:r>
+            <a:endParaRPr lang="zh-CN" altLang="en-US"/>
+          </a:p>
+        </p:txBody>
+      </p:sp>
+      <p:sp>
+        <p:nvSpPr>
+          <p:cNvPr id="3" name="Content Placeholder 2"/>
+          <p:cNvSpPr>
+            <a:spLocks noGrp="1"/>
+          </p:cNvSpPr>
+          <p:nvPr>
+            <p:ph sz="half" idx="1"/>
+          </p:nvPr>
+        </p:nvSpPr>
+        <p:spPr>
+          <a:xfrm>
+            <a:off x="0" y="1825625"/>
+            <a:ext cx="5981700" cy="4752975"/>
+          </a:xfrm>
+        </p:spPr>
+        <p:txBody>
+          <a:bodyPr>
+            <a:normAutofit lnSpcReduction="20000"/>
+          </a:bodyPr>
+          <a:p>
+            <a:r>
+              <a:rPr lang="zh-CN"/>
+              <a:t>假如我这里不小心手一滑，把</a:t>
+            </a:r>
+            <a:r>
+              <a:rPr lang="en-US" altLang="zh-CN"/>
+              <a:t> “hello” </a:t>
+            </a:r>
+            <a:r>
+              <a:rPr lang="zh-CN" altLang="en-US"/>
+              <a:t>打错</a:t>
+            </a:r>
+            <a:r>
+              <a:rPr lang="zh-CN" altLang="en-US"/>
+              <a:t>成了</a:t>
+            </a:r>
+            <a:r>
+              <a:rPr lang="en-US" altLang="zh-CN"/>
+              <a:t> “hell”</a:t>
+            </a:r>
+            <a:r>
+              <a:rPr lang="zh-CN" altLang="en-US"/>
+              <a:t>，会发生什么？</a:t>
+            </a:r>
+            <a:endParaRPr lang="zh-CN" altLang="en-US"/>
+          </a:p>
+          <a:p>
+            <a:r>
+              <a:rPr lang="zh-CN" altLang="en-US"/>
+              <a:t>那么由于这个键不存在，</a:t>
+            </a:r>
+            <a:r>
               <a:rPr lang="en-US" altLang="zh-CN"/>
               <a:t>[] </a:t>
             </a:r>
             <a:r>
               <a:rPr lang="zh-CN" altLang="en-US"/>
-              <a:t>与</a:t>
+              <a:t>又不知道你这里是读取，他误以为你要写入。</a:t>
+            </a:r>
+            <a:endParaRPr lang="zh-CN" altLang="en-US"/>
+          </a:p>
+          <a:p>
+            <a:r>
+              <a:rPr lang="zh-CN" altLang="en-US"/>
+              <a:t>于是他</a:t>
+            </a:r>
+            <a:r>
+              <a:rPr lang="zh-CN" altLang="en-US" b="1"/>
+              <a:t>默默的创建了一</a:t>
+            </a:r>
+            <a:r>
+              <a:rPr lang="en-US" altLang="zh-CN" b="1"/>
+              <a:t> “hell” </a:t>
+            </a:r>
+            <a:r>
+              <a:rPr lang="zh-CN" altLang="en-US" b="1"/>
+              <a:t>这个键值</a:t>
+            </a:r>
+            <a:r>
+              <a:rPr lang="zh-CN" altLang="en-US"/>
+              <a:t>，并把值初始化为</a:t>
             </a:r>
             <a:r>
               <a:rPr lang="en-US" altLang="zh-CN"/>
-              <a:t> at</a:t>
+              <a:t> 0</a:t>
+            </a:r>
+            <a:r>
+              <a:rPr lang="zh-CN" altLang="en-US"/>
+              <a:t>，然后返回指向这个值的引用，你解开了引用，得到了</a:t>
+            </a:r>
+            <a:r>
+              <a:rPr lang="en-US" altLang="zh-CN"/>
+              <a:t> 0</a:t>
+            </a:r>
+            <a:r>
+              <a:rPr lang="zh-CN" altLang="en-US"/>
+              <a:t>。</a:t>
             </a:r>
             <a:endParaRPr lang="zh-CN" altLang="en-US"/>
           </a:p>
-        </p:txBody>
-      </p:sp>
-      <p:sp>
-        <p:nvSpPr>
-          <p:cNvPr id="3" name="Content Placeholder 2"/>
-          <p:cNvSpPr>
-            <a:spLocks noGrp="1"/>
-          </p:cNvSpPr>
-          <p:nvPr>
-            <p:ph idx="1"/>
-          </p:nvPr>
-        </p:nvSpPr>
-        <p:spPr/>
-        <p:txBody>
-          <a:bodyPr/>
-          <a:p>
-            <a:endParaRPr lang="en-US"/>
-          </a:p>
-        </p:txBody>
-      </p:sp>
+          <a:p>
+            <a:r>
+              <a:rPr lang="zh-CN" altLang="en-US"/>
+              <a:t>你很困惑，明明刚刚给</a:t>
+            </a:r>
+            <a:r>
+              <a:rPr lang="en-US" altLang="zh-CN"/>
+              <a:t> “hello” </a:t>
+            </a:r>
+            <a:r>
+              <a:rPr lang="zh-CN" altLang="en-US">
+                <a:sym typeface="+mn-ea"/>
+              </a:rPr>
+              <a:t>赋</a:t>
+            </a:r>
+            <a:r>
+              <a:rPr lang="zh-CN" altLang="en-US"/>
+              <a:t>值的</a:t>
+            </a:r>
+            <a:r>
+              <a:rPr lang="en-US" altLang="zh-CN"/>
+              <a:t> 1</a:t>
+            </a:r>
+            <a:r>
+              <a:rPr lang="zh-CN" altLang="en-US"/>
+              <a:t>，为何读出来成了</a:t>
+            </a:r>
+            <a:r>
+              <a:rPr lang="en-US" altLang="zh-CN"/>
+              <a:t> 0</a:t>
+            </a:r>
+            <a:r>
+              <a:rPr lang="zh-CN" altLang="en-US"/>
+              <a:t>，殊不知是自己打错字了。</a:t>
+            </a:r>
+            <a:endParaRPr lang="zh-CN" altLang="en-US"/>
+          </a:p>
+          <a:p>
+            <a:r>
+              <a:rPr lang="zh-CN" altLang="en-US">
+                <a:sym typeface="+mn-ea"/>
+              </a:rPr>
+              <a:t>如果用</a:t>
+            </a:r>
+            <a:r>
+              <a:rPr lang="en-US" altLang="zh-CN">
+                <a:sym typeface="+mn-ea"/>
+              </a:rPr>
+              <a:t> items.at(“hell”) </a:t>
+            </a:r>
+            <a:r>
+              <a:rPr lang="zh-CN" altLang="en-US">
+                <a:sym typeface="+mn-ea"/>
+              </a:rPr>
+              <a:t>会直接报错，反而好排查。</a:t>
+            </a:r>
+            <a:endParaRPr lang="zh-CN" altLang="en-US"/>
+          </a:p>
+        </p:txBody>
+      </p:sp>
+      <p:pic>
+        <p:nvPicPr>
+          <p:cNvPr id="8" name="Content Placeholder 7"/>
+          <p:cNvPicPr>
+            <a:picLocks noChangeAspect="1"/>
+          </p:cNvPicPr>
+          <p:nvPr>
+            <p:ph sz="half" idx="2"/>
+          </p:nvPr>
+        </p:nvPicPr>
+        <p:blipFill>
+          <a:blip r:embed="rId1"/>
+          <a:stretch>
+            <a:fillRect/>
+          </a:stretch>
+        </p:blipFill>
+        <p:spPr>
+          <a:xfrm>
+            <a:off x="5981700" y="2017395"/>
+            <a:ext cx="5181600" cy="3966845"/>
+          </a:xfrm>
+          <a:prstGeom prst="rect">
+            <a:avLst/>
+          </a:prstGeom>
+        </p:spPr>
+      </p:pic>
     </p:spTree>
   </p:cSld>
   <p:clrMapOvr>
